--- a/Presentations/240524_11기_부울경_2반_관통PJT_김동현_노재훈.pptx
+++ b/Presentations/240524_11기_부울경_2반_관통PJT_김동현_노재훈.pptx
@@ -13876,7 +13876,7 @@
         <p:spPr>
           <a:xfrm>
             <a:off x="1720930" y="5132557"/>
-            <a:ext cx="2293888" cy="338554"/>
+            <a:ext cx="2470184" cy="338554"/>
           </a:xfrm>
           <a:prstGeom prst="rect">
             <a:avLst/>
@@ -13901,33 +13901,7 @@
                 <a:latin typeface="배달의민족 한나체 Pro" panose="020B0600000101010101" pitchFamily="50" charset="-127"/>
                 <a:ea typeface="배달의민족 한나체 Pro" panose="020B0600000101010101" pitchFamily="50" charset="-127"/>
               </a:rPr>
-              <a:t>&lt;</a:t>
-            </a:r>
-            <a:r>
-              <a:rPr lang="en-US" altLang="ko-KR" sz="1600" dirty="0" err="1">
-                <a:solidFill>
-                  <a:srgbClr val="1F2328"/>
-                </a:solidFill>
-                <a:highlight>
-                  <a:srgbClr val="FFFFFF"/>
-                </a:highlight>
-                <a:latin typeface="배달의민족 한나체 Pro" panose="020B0600000101010101" pitchFamily="50" charset="-127"/>
-                <a:ea typeface="배달의민족 한나체 Pro" panose="020B0600000101010101" pitchFamily="50" charset="-127"/>
-              </a:rPr>
-              <a:t>Componet</a:t>
-            </a:r>
-            <a:r>
-              <a:rPr lang="en-US" altLang="ko-KR" sz="1600" dirty="0">
-                <a:solidFill>
-                  <a:srgbClr val="1F2328"/>
-                </a:solidFill>
-                <a:highlight>
-                  <a:srgbClr val="FFFFFF"/>
-                </a:highlight>
-                <a:latin typeface="배달의민족 한나체 Pro" panose="020B0600000101010101" pitchFamily="50" charset="-127"/>
-                <a:ea typeface="배달의민족 한나체 Pro" panose="020B0600000101010101" pitchFamily="50" charset="-127"/>
-              </a:rPr>
-              <a:t> Structure&gt;</a:t>
+              <a:t>&lt;Component Structure&gt;</a:t>
             </a:r>
             <a:endParaRPr lang="ko-KR" altLang="en-US" sz="1600" dirty="0">
               <a:latin typeface="배달의민족 한나체 Pro" panose="020B0600000101010101" pitchFamily="50" charset="-127"/>
@@ -14923,7 +14897,7 @@
                 <a:latin typeface="배달의민족 한나체 Pro" panose="020B0600000101010101" pitchFamily="50" charset="-127"/>
                 <a:ea typeface="배달의민족 한나체 Pro" panose="020B0600000101010101" pitchFamily="50" charset="-127"/>
               </a:rPr>
-              <a:t>&lt;Mook-up&gt;</a:t>
+              <a:t>&lt;Mock-up&gt;</a:t>
             </a:r>
             <a:endParaRPr lang="ko-KR" altLang="en-US" sz="1600" dirty="0">
               <a:latin typeface="배달의민족 한나체 Pro" panose="020B0600000101010101" pitchFamily="50" charset="-127"/>
